--- a/toolkit/resume-review/sme-training-resume-review.pptx
+++ b/toolkit/resume-review/sme-training-resume-review.pptx
@@ -1236,15 +1236,46 @@
           <a:bodyPr/>
           <a:lstStyle/>
           <a:p>
+            <a:pPr marL="457200" marR="0" lvl="0" indent="-228600" algn="l" defTabSz="914400" rtl="0" eaLnBrk="1" fontAlgn="auto" latinLnBrk="0" hangingPunct="1">
+              <a:lnSpc>
+                <a:spcPct val="100000"/>
+              </a:lnSpc>
+              <a:spcBef>
+                <a:spcPts val="0"/>
+              </a:spcBef>
+              <a:spcAft>
+                <a:spcPts val="0"/>
+              </a:spcAft>
+              <a:buClr>
+                <a:srgbClr val="000000"/>
+              </a:buClr>
+              <a:buSzPts val="1400"/>
+              <a:buFont typeface="Arial"/>
+              <a:buNone/>
+              <a:tabLst/>
+              <a:defRPr/>
+            </a:pPr>
             <a:r>
               <a:rPr lang="en-US" dirty="0"/>
-              <a:t>Important to cite the technical reason why the specific competency wasn’t met. </a:t>
-            </a:r>
+              <a:t>NOTE: Replace all {VARIABLE} data items on this slide with the details the team has agreed upon. There may be fewer/more competencies, customize this table as needed. </a:t>
+            </a:r>
+          </a:p>
+          <a:p>
+            <a:endParaRPr lang="en-US" dirty="0"/>
           </a:p>
           <a:p>
             <a:r>
               <a:rPr lang="en-US" dirty="0"/>
-              <a:t>Refrain from searching using keywords. Look for evidence of competencies and proficiency levels. </a:t>
+              <a:t>If an applicant does not meet one requirement, there’s no need to continue evaluating for remaining ones</a:t>
+            </a:r>
+          </a:p>
+          <a:p>
+            <a:endParaRPr lang="en-US" dirty="0"/>
+          </a:p>
+          <a:p>
+            <a:r>
+              <a:rPr lang="en-US" dirty="0"/>
+              <a:t>By definition, applicants must meet ALL minimum qualifications to move forward</a:t>
             </a:r>
           </a:p>
         </p:txBody>
@@ -1252,7 +1283,7 @@
     </p:spTree>
     <p:extLst>
       <p:ext uri="{BB962C8B-B14F-4D97-AF65-F5344CB8AC3E}">
-        <p14:creationId xmlns:p14="http://schemas.microsoft.com/office/powerpoint/2010/main" val="2647829392"/>
+        <p14:creationId xmlns:p14="http://schemas.microsoft.com/office/powerpoint/2010/main" val="2287640234"/>
       </p:ext>
     </p:extLst>
   </p:cSld>
@@ -1307,10 +1338,14 @@
           <a:lstStyle/>
           <a:p>
             <a:r>
-              <a:rPr lang="en-US" dirty="0">
-                <a:latin typeface="Arial Regular"/>
-              </a:rPr>
-              <a:t>Start your note with your move forward/do not move forward determination</a:t>
+              <a:rPr lang="en-US" dirty="0"/>
+              <a:t>Important to cite the technical reason why the specific competency wasn’t met. </a:t>
+            </a:r>
+          </a:p>
+          <a:p>
+            <a:r>
+              <a:rPr lang="en-US" dirty="0"/>
+              <a:t>Refrain from searching using keywords. Look for evidence of competencies and proficiency levels. </a:t>
             </a:r>
           </a:p>
         </p:txBody>
@@ -1318,7 +1353,7 @@
     </p:spTree>
     <p:extLst>
       <p:ext uri="{BB962C8B-B14F-4D97-AF65-F5344CB8AC3E}">
-        <p14:creationId xmlns:p14="http://schemas.microsoft.com/office/powerpoint/2010/main" val="1689981464"/>
+        <p14:creationId xmlns:p14="http://schemas.microsoft.com/office/powerpoint/2010/main" val="2647829392"/>
       </p:ext>
     </p:extLst>
   </p:cSld>
@@ -1376,7 +1411,7 @@
               <a:rPr lang="en-US" dirty="0">
                 <a:latin typeface="Arial Regular"/>
               </a:rPr>
-              <a:t>Then state if the core competency and required proficiency level is met</a:t>
+              <a:t>Start your note with your move forward/do not move forward determination</a:t>
             </a:r>
           </a:p>
         </p:txBody>
@@ -1384,7 +1419,7 @@
     </p:spTree>
     <p:extLst>
       <p:ext uri="{BB962C8B-B14F-4D97-AF65-F5344CB8AC3E}">
-        <p14:creationId xmlns:p14="http://schemas.microsoft.com/office/powerpoint/2010/main" val="3807209955"/>
+        <p14:creationId xmlns:p14="http://schemas.microsoft.com/office/powerpoint/2010/main" val="1689981464"/>
       </p:ext>
     </p:extLst>
   </p:cSld>
@@ -1442,7 +1477,7 @@
               <a:rPr lang="en-US" dirty="0">
                 <a:latin typeface="Arial Regular"/>
               </a:rPr>
-              <a:t>Cite the competency and note the decision:    [decision] ([role]) - [competency] was/was not met. [reason]</a:t>
+              <a:t>Then state if the core competency and required proficiency level is met</a:t>
             </a:r>
           </a:p>
         </p:txBody>
@@ -1450,7 +1485,7 @@
     </p:spTree>
     <p:extLst>
       <p:ext uri="{BB962C8B-B14F-4D97-AF65-F5344CB8AC3E}">
-        <p14:creationId xmlns:p14="http://schemas.microsoft.com/office/powerpoint/2010/main" val="585594807"/>
+        <p14:creationId xmlns:p14="http://schemas.microsoft.com/office/powerpoint/2010/main" val="3807209955"/>
       </p:ext>
     </p:extLst>
   </p:cSld>
@@ -1508,7 +1543,7 @@
               <a:rPr lang="en-US" dirty="0">
                 <a:latin typeface="Arial Regular"/>
               </a:rPr>
-              <a:t>Make sure and note the 1 year experience requirement</a:t>
+              <a:t>Cite the competency and note the decision:    [decision] ([role]) - [competency] was/was not met. [reason]</a:t>
             </a:r>
           </a:p>
         </p:txBody>
@@ -1516,7 +1551,7 @@
     </p:spTree>
     <p:extLst>
       <p:ext uri="{BB962C8B-B14F-4D97-AF65-F5344CB8AC3E}">
-        <p14:creationId xmlns:p14="http://schemas.microsoft.com/office/powerpoint/2010/main" val="2598789723"/>
+        <p14:creationId xmlns:p14="http://schemas.microsoft.com/office/powerpoint/2010/main" val="585594807"/>
       </p:ext>
     </p:extLst>
   </p:cSld>
@@ -1582,6 +1617,72 @@
     </p:spTree>
     <p:extLst>
       <p:ext uri="{BB962C8B-B14F-4D97-AF65-F5344CB8AC3E}">
+        <p14:creationId xmlns:p14="http://schemas.microsoft.com/office/powerpoint/2010/main" val="2598789723"/>
+      </p:ext>
+    </p:extLst>
+  </p:cSld>
+  <p:clrMapOvr>
+    <a:masterClrMapping/>
+  </p:clrMapOvr>
+</p:notes>
+</file>
+
+<file path=ppt/notesSlides/notesSlide16.xml><?xml version="1.0" encoding="utf-8"?>
+<p:notes xmlns:a="http://schemas.openxmlformats.org/drawingml/2006/main" xmlns:r="http://schemas.openxmlformats.org/officeDocument/2006/relationships" xmlns:p="http://schemas.openxmlformats.org/presentationml/2006/main">
+  <p:cSld>
+    <p:spTree>
+      <p:nvGrpSpPr>
+        <p:cNvPr id="1" name=""/>
+        <p:cNvGrpSpPr/>
+        <p:nvPr/>
+      </p:nvGrpSpPr>
+      <p:grpSpPr>
+        <a:xfrm>
+          <a:off x="0" y="0"/>
+          <a:ext cx="0" cy="0"/>
+          <a:chOff x="0" y="0"/>
+          <a:chExt cx="0" cy="0"/>
+        </a:xfrm>
+      </p:grpSpPr>
+      <p:sp>
+        <p:nvSpPr>
+          <p:cNvPr id="2" name="Slide Image Placeholder 1"/>
+          <p:cNvSpPr>
+            <a:spLocks noGrp="1" noRot="1" noChangeAspect="1"/>
+          </p:cNvSpPr>
+          <p:nvPr>
+            <p:ph type="sldImg"/>
+          </p:nvPr>
+        </p:nvSpPr>
+        <p:spPr/>
+      </p:sp>
+      <p:sp>
+        <p:nvSpPr>
+          <p:cNvPr id="3" name="Notes Placeholder 2"/>
+          <p:cNvSpPr>
+            <a:spLocks noGrp="1"/>
+          </p:cNvSpPr>
+          <p:nvPr>
+            <p:ph type="body" idx="1"/>
+          </p:nvPr>
+        </p:nvSpPr>
+        <p:spPr/>
+        <p:txBody>
+          <a:bodyPr/>
+          <a:lstStyle/>
+          <a:p>
+            <a:r>
+              <a:rPr lang="en-US" dirty="0">
+                <a:latin typeface="Arial Regular"/>
+              </a:rPr>
+              <a:t>Make sure and note the 1 year experience requirement</a:t>
+            </a:r>
+          </a:p>
+        </p:txBody>
+      </p:sp>
+    </p:spTree>
+    <p:extLst>
+      <p:ext uri="{BB962C8B-B14F-4D97-AF65-F5344CB8AC3E}">
         <p14:creationId xmlns:p14="http://schemas.microsoft.com/office/powerpoint/2010/main" val="2401850914"/>
       </p:ext>
     </p:extLst>
@@ -1592,7 +1693,7 @@
 </p:notes>
 </file>
 
-<file path=ppt/notesSlides/notesSlide16.xml><?xml version="1.0" encoding="utf-8"?>
+<file path=ppt/notesSlides/notesSlide17.xml><?xml version="1.0" encoding="utf-8"?>
 <p:notes xmlns:a="http://schemas.openxmlformats.org/drawingml/2006/main" xmlns:r="http://schemas.openxmlformats.org/officeDocument/2006/relationships" xmlns:p="http://schemas.openxmlformats.org/presentationml/2006/main" showMasterSp="0" showMasterPhAnim="0">
   <p:cSld>
     <p:spTree>
@@ -1748,7 +1849,7 @@
 </p:notes>
 </file>
 
-<file path=ppt/notesSlides/notesSlide17.xml><?xml version="1.0" encoding="utf-8"?>
+<file path=ppt/notesSlides/notesSlide18.xml><?xml version="1.0" encoding="utf-8"?>
 <p:notes xmlns:a="http://schemas.openxmlformats.org/drawingml/2006/main" xmlns:r="http://schemas.openxmlformats.org/officeDocument/2006/relationships" xmlns:p="http://schemas.openxmlformats.org/presentationml/2006/main">
   <p:cSld>
     <p:spTree>
@@ -1812,7 +1913,7 @@
 </p:notes>
 </file>
 
-<file path=ppt/notesSlides/notesSlide18.xml><?xml version="1.0" encoding="utf-8"?>
+<file path=ppt/notesSlides/notesSlide19.xml><?xml version="1.0" encoding="utf-8"?>
 <p:notes xmlns:a="http://schemas.openxmlformats.org/drawingml/2006/main" xmlns:r="http://schemas.openxmlformats.org/officeDocument/2006/relationships" xmlns:p="http://schemas.openxmlformats.org/presentationml/2006/main">
   <p:cSld>
     <p:spTree>
@@ -1896,107 +1997,6 @@
     <p:extLst>
       <p:ext uri="{BB962C8B-B14F-4D97-AF65-F5344CB8AC3E}">
         <p14:creationId xmlns:p14="http://schemas.microsoft.com/office/powerpoint/2010/main" val="2278644454"/>
-      </p:ext>
-    </p:extLst>
-  </p:cSld>
-  <p:clrMapOvr>
-    <a:masterClrMapping/>
-  </p:clrMapOvr>
-</p:notes>
-</file>
-
-<file path=ppt/notesSlides/notesSlide19.xml><?xml version="1.0" encoding="utf-8"?>
-<p:notes xmlns:a="http://schemas.openxmlformats.org/drawingml/2006/main" xmlns:r="http://schemas.openxmlformats.org/officeDocument/2006/relationships" xmlns:p="http://schemas.openxmlformats.org/presentationml/2006/main">
-  <p:cSld>
-    <p:spTree>
-      <p:nvGrpSpPr>
-        <p:cNvPr id="1" name=""/>
-        <p:cNvGrpSpPr/>
-        <p:nvPr/>
-      </p:nvGrpSpPr>
-      <p:grpSpPr>
-        <a:xfrm>
-          <a:off x="0" y="0"/>
-          <a:ext cx="0" cy="0"/>
-          <a:chOff x="0" y="0"/>
-          <a:chExt cx="0" cy="0"/>
-        </a:xfrm>
-      </p:grpSpPr>
-      <p:sp>
-        <p:nvSpPr>
-          <p:cNvPr id="2" name="Slide Image Placeholder 1"/>
-          <p:cNvSpPr>
-            <a:spLocks noGrp="1" noRot="1" noChangeAspect="1"/>
-          </p:cNvSpPr>
-          <p:nvPr>
-            <p:ph type="sldImg"/>
-          </p:nvPr>
-        </p:nvSpPr>
-        <p:spPr/>
-      </p:sp>
-      <p:sp>
-        <p:nvSpPr>
-          <p:cNvPr id="3" name="Notes Placeholder 2"/>
-          <p:cNvSpPr>
-            <a:spLocks noGrp="1"/>
-          </p:cNvSpPr>
-          <p:nvPr>
-            <p:ph type="body" idx="1"/>
-          </p:nvPr>
-        </p:nvSpPr>
-        <p:spPr/>
-        <p:txBody>
-          <a:bodyPr/>
-          <a:lstStyle/>
-          <a:p>
-            <a:r>
-              <a:rPr lang="en-US" dirty="0"/>
-              <a:t>Guidance from SMEQA website:</a:t>
-            </a:r>
-          </a:p>
-          <a:p>
-            <a:endParaRPr lang="en-US" dirty="0"/>
-          </a:p>
-          <a:p>
-            <a:r>
-              <a:rPr lang="en-US" dirty="0"/>
-              <a:t>It’s common for SMEs participating in a hiring action to know applicants. SMEs may review people they know, supervise, and work with, such as contract professionals or fellow public servants, except in these cases:</a:t>
-            </a:r>
-          </a:p>
-          <a:p>
-            <a:pPr lvl="1"/>
-            <a:r>
-              <a:rPr lang="en-US" dirty="0"/>
-              <a:t>The SME has a personal relationship with the applicant outside of work, whether or not the relationship is known to others.</a:t>
-            </a:r>
-          </a:p>
-          <a:p>
-            <a:pPr lvl="1"/>
-            <a:r>
-              <a:rPr lang="en-US" dirty="0"/>
-              <a:t>There is any </a:t>
-            </a:r>
-            <a:r>
-              <a:rPr lang="en-US" i="1" dirty="0"/>
-              <a:t>appearance</a:t>
-            </a:r>
-            <a:r>
-              <a:rPr lang="en-US" dirty="0"/>
-              <a:t> of bias from the SME toward the applicant, such as when it’s well known that the SME and applicant have regular disagreements, or that the SME and the applicant have a unique bond.</a:t>
-            </a:r>
-          </a:p>
-          <a:p>
-            <a:r>
-              <a:rPr lang="en-US" dirty="0"/>
-              <a:t>In general, if the SME and the applicant have occasionally attended the same office happy hour, there is no conflict. However, if the SME and applicant regularly socialize together outside of work, the SME should recuse themselves</a:t>
-            </a:r>
-          </a:p>
-        </p:txBody>
-      </p:sp>
-    </p:spTree>
-    <p:extLst>
-      <p:ext uri="{BB962C8B-B14F-4D97-AF65-F5344CB8AC3E}">
-        <p14:creationId xmlns:p14="http://schemas.microsoft.com/office/powerpoint/2010/main" val="826765022"/>
       </p:ext>
     </p:extLst>
   </p:cSld>
@@ -2276,6 +2276,107 @@
 </file>
 
 <file path=ppt/notesSlides/notesSlide20.xml><?xml version="1.0" encoding="utf-8"?>
+<p:notes xmlns:a="http://schemas.openxmlformats.org/drawingml/2006/main" xmlns:r="http://schemas.openxmlformats.org/officeDocument/2006/relationships" xmlns:p="http://schemas.openxmlformats.org/presentationml/2006/main">
+  <p:cSld>
+    <p:spTree>
+      <p:nvGrpSpPr>
+        <p:cNvPr id="1" name=""/>
+        <p:cNvGrpSpPr/>
+        <p:nvPr/>
+      </p:nvGrpSpPr>
+      <p:grpSpPr>
+        <a:xfrm>
+          <a:off x="0" y="0"/>
+          <a:ext cx="0" cy="0"/>
+          <a:chOff x="0" y="0"/>
+          <a:chExt cx="0" cy="0"/>
+        </a:xfrm>
+      </p:grpSpPr>
+      <p:sp>
+        <p:nvSpPr>
+          <p:cNvPr id="2" name="Slide Image Placeholder 1"/>
+          <p:cNvSpPr>
+            <a:spLocks noGrp="1" noRot="1" noChangeAspect="1"/>
+          </p:cNvSpPr>
+          <p:nvPr>
+            <p:ph type="sldImg"/>
+          </p:nvPr>
+        </p:nvSpPr>
+        <p:spPr/>
+      </p:sp>
+      <p:sp>
+        <p:nvSpPr>
+          <p:cNvPr id="3" name="Notes Placeholder 2"/>
+          <p:cNvSpPr>
+            <a:spLocks noGrp="1"/>
+          </p:cNvSpPr>
+          <p:nvPr>
+            <p:ph type="body" idx="1"/>
+          </p:nvPr>
+        </p:nvSpPr>
+        <p:spPr/>
+        <p:txBody>
+          <a:bodyPr/>
+          <a:lstStyle/>
+          <a:p>
+            <a:r>
+              <a:rPr lang="en-US" dirty="0"/>
+              <a:t>Guidance from SMEQA website:</a:t>
+            </a:r>
+          </a:p>
+          <a:p>
+            <a:endParaRPr lang="en-US" dirty="0"/>
+          </a:p>
+          <a:p>
+            <a:r>
+              <a:rPr lang="en-US" dirty="0"/>
+              <a:t>It’s common for SMEs participating in a hiring action to know applicants. SMEs may review people they know, supervise, and work with, such as contract professionals or fellow public servants, except in these cases:</a:t>
+            </a:r>
+          </a:p>
+          <a:p>
+            <a:pPr lvl="1"/>
+            <a:r>
+              <a:rPr lang="en-US" dirty="0"/>
+              <a:t>The SME has a personal relationship with the applicant outside of work, whether or not the relationship is known to others.</a:t>
+            </a:r>
+          </a:p>
+          <a:p>
+            <a:pPr lvl="1"/>
+            <a:r>
+              <a:rPr lang="en-US" dirty="0"/>
+              <a:t>There is any </a:t>
+            </a:r>
+            <a:r>
+              <a:rPr lang="en-US" i="1" dirty="0"/>
+              <a:t>appearance</a:t>
+            </a:r>
+            <a:r>
+              <a:rPr lang="en-US" dirty="0"/>
+              <a:t> of bias from the SME toward the applicant, such as when it’s well known that the SME and applicant have regular disagreements, or that the SME and the applicant have a unique bond.</a:t>
+            </a:r>
+          </a:p>
+          <a:p>
+            <a:r>
+              <a:rPr lang="en-US" dirty="0"/>
+              <a:t>In general, if the SME and the applicant have occasionally attended the same office happy hour, there is no conflict. However, if the SME and applicant regularly socialize together outside of work, the SME should recuse themselves</a:t>
+            </a:r>
+          </a:p>
+        </p:txBody>
+      </p:sp>
+    </p:spTree>
+    <p:extLst>
+      <p:ext uri="{BB962C8B-B14F-4D97-AF65-F5344CB8AC3E}">
+        <p14:creationId xmlns:p14="http://schemas.microsoft.com/office/powerpoint/2010/main" val="826765022"/>
+      </p:ext>
+    </p:extLst>
+  </p:cSld>
+  <p:clrMapOvr>
+    <a:masterClrMapping/>
+  </p:clrMapOvr>
+</p:notes>
+</file>
+
+<file path=ppt/notesSlides/notesSlide21.xml><?xml version="1.0" encoding="utf-8"?>
 <p:notes xmlns:a="http://schemas.openxmlformats.org/drawingml/2006/main" xmlns:r="http://schemas.openxmlformats.org/officeDocument/2006/relationships" xmlns:p="http://schemas.openxmlformats.org/presentationml/2006/main" showMasterSp="0" showMasterPhAnim="0">
   <p:cSld>
     <p:spTree>
@@ -2388,7 +2489,7 @@
 </p:notes>
 </file>
 
-<file path=ppt/notesSlides/notesSlide21.xml><?xml version="1.0" encoding="utf-8"?>
+<file path=ppt/notesSlides/notesSlide22.xml><?xml version="1.0" encoding="utf-8"?>
 <p:notes xmlns:a="http://schemas.openxmlformats.org/drawingml/2006/main" xmlns:r="http://schemas.openxmlformats.org/officeDocument/2006/relationships" xmlns:p="http://schemas.openxmlformats.org/presentationml/2006/main" showMasterSp="0" showMasterPhAnim="0">
   <p:cSld>
     <p:spTree>
@@ -2497,7 +2598,7 @@
 </p:notes>
 </file>
 
-<file path=ppt/notesSlides/notesSlide22.xml><?xml version="1.0" encoding="utf-8"?>
+<file path=ppt/notesSlides/notesSlide23.xml><?xml version="1.0" encoding="utf-8"?>
 <p:notes xmlns:a="http://schemas.openxmlformats.org/drawingml/2006/main" xmlns:r="http://schemas.openxmlformats.org/officeDocument/2006/relationships" xmlns:p="http://schemas.openxmlformats.org/presentationml/2006/main" showMasterSp="0" showMasterPhAnim="0">
   <p:cSld>
     <p:spTree>
@@ -2606,7 +2707,7 @@
 </p:notes>
 </file>
 
-<file path=ppt/notesSlides/notesSlide23.xml><?xml version="1.0" encoding="utf-8"?>
+<file path=ppt/notesSlides/notesSlide24.xml><?xml version="1.0" encoding="utf-8"?>
 <p:notes xmlns:a="http://schemas.openxmlformats.org/drawingml/2006/main" xmlns:r="http://schemas.openxmlformats.org/officeDocument/2006/relationships" xmlns:p="http://schemas.openxmlformats.org/presentationml/2006/main" showMasterSp="0" showMasterPhAnim="0">
   <p:cSld>
     <p:spTree>
@@ -3020,7 +3121,7 @@
 </p:notes>
 </file>
 
-<file path=ppt/notesSlides/notesSlide24.xml><?xml version="1.0" encoding="utf-8"?>
+<file path=ppt/notesSlides/notesSlide25.xml><?xml version="1.0" encoding="utf-8"?>
 <p:notes xmlns:a="http://schemas.openxmlformats.org/drawingml/2006/main" xmlns:r="http://schemas.openxmlformats.org/officeDocument/2006/relationships" xmlns:p="http://schemas.openxmlformats.org/presentationml/2006/main" showMasterSp="0" showMasterPhAnim="0">
   <p:cSld>
     <p:spTree>
@@ -3163,7 +3264,7 @@
 </p:notes>
 </file>
 
-<file path=ppt/notesSlides/notesSlide25.xml><?xml version="1.0" encoding="utf-8"?>
+<file path=ppt/notesSlides/notesSlide26.xml><?xml version="1.0" encoding="utf-8"?>
 <p:notes xmlns:a="http://schemas.openxmlformats.org/drawingml/2006/main" xmlns:r="http://schemas.openxmlformats.org/officeDocument/2006/relationships" xmlns:p="http://schemas.openxmlformats.org/presentationml/2006/main" showMasterSp="0" showMasterPhAnim="0">
   <p:cSld>
     <p:spTree>
@@ -3282,7 +3383,7 @@
 </p:notes>
 </file>
 
-<file path=ppt/notesSlides/notesSlide26.xml><?xml version="1.0" encoding="utf-8"?>
+<file path=ppt/notesSlides/notesSlide27.xml><?xml version="1.0" encoding="utf-8"?>
 <p:notes xmlns:a="http://schemas.openxmlformats.org/drawingml/2006/main" xmlns:r="http://schemas.openxmlformats.org/officeDocument/2006/relationships" xmlns:p="http://schemas.openxmlformats.org/presentationml/2006/main" showMasterSp="0" showMasterPhAnim="0">
   <p:cSld>
     <p:spTree>
@@ -3476,7 +3577,7 @@
 </p:notes>
 </file>
 
-<file path=ppt/notesSlides/notesSlide27.xml><?xml version="1.0" encoding="utf-8"?>
+<file path=ppt/notesSlides/notesSlide28.xml><?xml version="1.0" encoding="utf-8"?>
 <p:notes xmlns:a="http://schemas.openxmlformats.org/drawingml/2006/main" xmlns:r="http://schemas.openxmlformats.org/officeDocument/2006/relationships" xmlns:p="http://schemas.openxmlformats.org/presentationml/2006/main" showMasterSp="0" showMasterPhAnim="0">
   <p:cSld>
     <p:spTree>
@@ -3592,7 +3693,7 @@
 </p:notes>
 </file>
 
-<file path=ppt/notesSlides/notesSlide28.xml><?xml version="1.0" encoding="utf-8"?>
+<file path=ppt/notesSlides/notesSlide29.xml><?xml version="1.0" encoding="utf-8"?>
 <p:notes xmlns:a="http://schemas.openxmlformats.org/drawingml/2006/main" xmlns:r="http://schemas.openxmlformats.org/officeDocument/2006/relationships" xmlns:p="http://schemas.openxmlformats.org/presentationml/2006/main" showMasterSp="0" showMasterPhAnim="0">
   <p:cSld>
     <p:spTree>
@@ -3705,7 +3806,123 @@
 </p:notes>
 </file>
 
-<file path=ppt/notesSlides/notesSlide29.xml><?xml version="1.0" encoding="utf-8"?>
+<file path=ppt/notesSlides/notesSlide3.xml><?xml version="1.0" encoding="utf-8"?>
+<p:notes xmlns:a="http://schemas.openxmlformats.org/drawingml/2006/main" xmlns:r="http://schemas.openxmlformats.org/officeDocument/2006/relationships" xmlns:p="http://schemas.openxmlformats.org/presentationml/2006/main" showMasterSp="0" showMasterPhAnim="0">
+  <p:cSld>
+    <p:spTree>
+      <p:nvGrpSpPr>
+        <p:cNvPr id="1" name="Shape 70"/>
+        <p:cNvGrpSpPr/>
+        <p:nvPr/>
+      </p:nvGrpSpPr>
+      <p:grpSpPr>
+        <a:xfrm>
+          <a:off x="0" y="0"/>
+          <a:ext cx="0" cy="0"/>
+          <a:chOff x="0" y="0"/>
+          <a:chExt cx="0" cy="0"/>
+        </a:xfrm>
+      </p:grpSpPr>
+      <p:sp>
+        <p:nvSpPr>
+          <p:cNvPr id="71" name="Google Shape;71;p2:notes"/>
+          <p:cNvSpPr txBox="1">
+            <a:spLocks noGrp="1"/>
+          </p:cNvSpPr>
+          <p:nvPr>
+            <p:ph type="body" idx="1"/>
+          </p:nvPr>
+        </p:nvSpPr>
+        <p:spPr>
+          <a:xfrm>
+            <a:off x="917575" y="4415790"/>
+            <a:ext cx="5046663" cy="4183380"/>
+          </a:xfrm>
+          <a:prstGeom prst="rect">
+            <a:avLst/>
+          </a:prstGeom>
+          <a:noFill/>
+          <a:ln>
+            <a:noFill/>
+          </a:ln>
+        </p:spPr>
+        <p:txBody>
+          <a:bodyPr spcFirstLastPara="1" wrap="square" lIns="92425" tIns="46200" rIns="92425" bIns="46200" anchor="t" anchorCtr="0">
+            <a:noAutofit/>
+          </a:bodyPr>
+          <a:lstStyle/>
+          <a:p>
+            <a:pPr marL="0" lvl="0" indent="0" algn="l" rtl="0">
+              <a:lnSpc>
+                <a:spcPct val="100000"/>
+              </a:lnSpc>
+              <a:spcBef>
+                <a:spcPts val="0"/>
+              </a:spcBef>
+              <a:spcAft>
+                <a:spcPts val="0"/>
+              </a:spcAft>
+              <a:buSzPts val="1400"/>
+              <a:buNone/>
+            </a:pPr>
+            <a:endParaRPr/>
+          </a:p>
+        </p:txBody>
+      </p:sp>
+      <p:sp>
+        <p:nvSpPr>
+          <p:cNvPr id="72" name="Google Shape;72;p2:notes"/>
+          <p:cNvSpPr>
+            <a:spLocks noGrp="1" noRot="1" noChangeAspect="1"/>
+          </p:cNvSpPr>
+          <p:nvPr>
+            <p:ph type="sldImg" idx="2"/>
+          </p:nvPr>
+        </p:nvSpPr>
+        <p:spPr>
+          <a:xfrm>
+            <a:off x="342900" y="696913"/>
+            <a:ext cx="6197600" cy="3486150"/>
+          </a:xfrm>
+          <a:custGeom>
+            <a:avLst/>
+            <a:gdLst/>
+            <a:ahLst/>
+            <a:cxnLst/>
+            <a:rect l="l" t="t" r="r" b="b"/>
+            <a:pathLst>
+              <a:path w="120000" h="120000" extrusionOk="0">
+                <a:moveTo>
+                  <a:pt x="0" y="0"/>
+                </a:moveTo>
+                <a:lnTo>
+                  <a:pt x="120000" y="0"/>
+                </a:lnTo>
+                <a:lnTo>
+                  <a:pt x="120000" y="120000"/>
+                </a:lnTo>
+                <a:lnTo>
+                  <a:pt x="0" y="120000"/>
+                </a:lnTo>
+                <a:close/>
+              </a:path>
+            </a:pathLst>
+          </a:custGeom>
+          <a:noFill/>
+          <a:ln>
+            <a:noFill/>
+          </a:ln>
+        </p:spPr>
+      </p:sp>
+    </p:spTree>
+  </p:cSld>
+  <p:clrMapOvr>
+    <a:masterClrMapping/>
+  </p:clrMapOvr>
+</p:notes>
+</file>
+
+<file path=ppt/notesSlides/notesSlide30.xml><?xml version="1.0" encoding="utf-8"?>
 <p:notes xmlns:a="http://schemas.openxmlformats.org/drawingml/2006/main" xmlns:r="http://schemas.openxmlformats.org/officeDocument/2006/relationships" xmlns:p="http://schemas.openxmlformats.org/presentationml/2006/main" showMasterSp="0" showMasterPhAnim="0">
   <p:cSld>
     <p:spTree>
@@ -3814,123 +4031,7 @@
 </p:notes>
 </file>
 
-<file path=ppt/notesSlides/notesSlide3.xml><?xml version="1.0" encoding="utf-8"?>
-<p:notes xmlns:a="http://schemas.openxmlformats.org/drawingml/2006/main" xmlns:r="http://schemas.openxmlformats.org/officeDocument/2006/relationships" xmlns:p="http://schemas.openxmlformats.org/presentationml/2006/main" showMasterSp="0" showMasterPhAnim="0">
-  <p:cSld>
-    <p:spTree>
-      <p:nvGrpSpPr>
-        <p:cNvPr id="1" name="Shape 70"/>
-        <p:cNvGrpSpPr/>
-        <p:nvPr/>
-      </p:nvGrpSpPr>
-      <p:grpSpPr>
-        <a:xfrm>
-          <a:off x="0" y="0"/>
-          <a:ext cx="0" cy="0"/>
-          <a:chOff x="0" y="0"/>
-          <a:chExt cx="0" cy="0"/>
-        </a:xfrm>
-      </p:grpSpPr>
-      <p:sp>
-        <p:nvSpPr>
-          <p:cNvPr id="71" name="Google Shape;71;p2:notes"/>
-          <p:cNvSpPr txBox="1">
-            <a:spLocks noGrp="1"/>
-          </p:cNvSpPr>
-          <p:nvPr>
-            <p:ph type="body" idx="1"/>
-          </p:nvPr>
-        </p:nvSpPr>
-        <p:spPr>
-          <a:xfrm>
-            <a:off x="917575" y="4415790"/>
-            <a:ext cx="5046663" cy="4183380"/>
-          </a:xfrm>
-          <a:prstGeom prst="rect">
-            <a:avLst/>
-          </a:prstGeom>
-          <a:noFill/>
-          <a:ln>
-            <a:noFill/>
-          </a:ln>
-        </p:spPr>
-        <p:txBody>
-          <a:bodyPr spcFirstLastPara="1" wrap="square" lIns="92425" tIns="46200" rIns="92425" bIns="46200" anchor="t" anchorCtr="0">
-            <a:noAutofit/>
-          </a:bodyPr>
-          <a:lstStyle/>
-          <a:p>
-            <a:pPr marL="0" lvl="0" indent="0" algn="l" rtl="0">
-              <a:lnSpc>
-                <a:spcPct val="100000"/>
-              </a:lnSpc>
-              <a:spcBef>
-                <a:spcPts val="0"/>
-              </a:spcBef>
-              <a:spcAft>
-                <a:spcPts val="0"/>
-              </a:spcAft>
-              <a:buSzPts val="1400"/>
-              <a:buNone/>
-            </a:pPr>
-            <a:endParaRPr/>
-          </a:p>
-        </p:txBody>
-      </p:sp>
-      <p:sp>
-        <p:nvSpPr>
-          <p:cNvPr id="72" name="Google Shape;72;p2:notes"/>
-          <p:cNvSpPr>
-            <a:spLocks noGrp="1" noRot="1" noChangeAspect="1"/>
-          </p:cNvSpPr>
-          <p:nvPr>
-            <p:ph type="sldImg" idx="2"/>
-          </p:nvPr>
-        </p:nvSpPr>
-        <p:spPr>
-          <a:xfrm>
-            <a:off x="342900" y="696913"/>
-            <a:ext cx="6197600" cy="3486150"/>
-          </a:xfrm>
-          <a:custGeom>
-            <a:avLst/>
-            <a:gdLst/>
-            <a:ahLst/>
-            <a:cxnLst/>
-            <a:rect l="l" t="t" r="r" b="b"/>
-            <a:pathLst>
-              <a:path w="120000" h="120000" extrusionOk="0">
-                <a:moveTo>
-                  <a:pt x="0" y="0"/>
-                </a:moveTo>
-                <a:lnTo>
-                  <a:pt x="120000" y="0"/>
-                </a:lnTo>
-                <a:lnTo>
-                  <a:pt x="120000" y="120000"/>
-                </a:lnTo>
-                <a:lnTo>
-                  <a:pt x="0" y="120000"/>
-                </a:lnTo>
-                <a:close/>
-              </a:path>
-            </a:pathLst>
-          </a:custGeom>
-          <a:noFill/>
-          <a:ln>
-            <a:noFill/>
-          </a:ln>
-        </p:spPr>
-      </p:sp>
-    </p:spTree>
-  </p:cSld>
-  <p:clrMapOvr>
-    <a:masterClrMapping/>
-  </p:clrMapOvr>
-</p:notes>
-</file>
-
-<file path=ppt/notesSlides/notesSlide30.xml><?xml version="1.0" encoding="utf-8"?>
+<file path=ppt/notesSlides/notesSlide31.xml><?xml version="1.0" encoding="utf-8"?>
 <p:notes xmlns:a="http://schemas.openxmlformats.org/drawingml/2006/main" xmlns:r="http://schemas.openxmlformats.org/officeDocument/2006/relationships" xmlns:p="http://schemas.openxmlformats.org/presentationml/2006/main" showMasterSp="0" showMasterPhAnim="0">
   <p:cSld>
     <p:spTree>
@@ -4039,7 +4140,7 @@
 </p:notes>
 </file>
 
-<file path=ppt/notesSlides/notesSlide31.xml><?xml version="1.0" encoding="utf-8"?>
+<file path=ppt/notesSlides/notesSlide32.xml><?xml version="1.0" encoding="utf-8"?>
 <p:notes xmlns:a="http://schemas.openxmlformats.org/drawingml/2006/main" xmlns:r="http://schemas.openxmlformats.org/officeDocument/2006/relationships" xmlns:p="http://schemas.openxmlformats.org/presentationml/2006/main" showMasterSp="0" showMasterPhAnim="0">
   <p:cSld>
     <p:spTree>
@@ -4148,7 +4249,7 @@
 </p:notes>
 </file>
 
-<file path=ppt/notesSlides/notesSlide32.xml><?xml version="1.0" encoding="utf-8"?>
+<file path=ppt/notesSlides/notesSlide33.xml><?xml version="1.0" encoding="utf-8"?>
 <p:notes xmlns:a="http://schemas.openxmlformats.org/drawingml/2006/main" xmlns:r="http://schemas.openxmlformats.org/officeDocument/2006/relationships" xmlns:p="http://schemas.openxmlformats.org/presentationml/2006/main" showMasterSp="0" showMasterPhAnim="0">
   <p:cSld>
     <p:spTree>
@@ -4257,7 +4358,7 @@
 </p:notes>
 </file>
 
-<file path=ppt/notesSlides/notesSlide33.xml><?xml version="1.0" encoding="utf-8"?>
+<file path=ppt/notesSlides/notesSlide34.xml><?xml version="1.0" encoding="utf-8"?>
 <p:notes xmlns:a="http://schemas.openxmlformats.org/drawingml/2006/main" xmlns:r="http://schemas.openxmlformats.org/officeDocument/2006/relationships" xmlns:p="http://schemas.openxmlformats.org/presentationml/2006/main" showMasterSp="0" showMasterPhAnim="0">
   <p:cSld>
     <p:spTree>
@@ -4366,7 +4467,7 @@
 </p:notes>
 </file>
 
-<file path=ppt/notesSlides/notesSlide34.xml><?xml version="1.0" encoding="utf-8"?>
+<file path=ppt/notesSlides/notesSlide35.xml><?xml version="1.0" encoding="utf-8"?>
 <p:notes xmlns:a="http://schemas.openxmlformats.org/drawingml/2006/main" xmlns:r="http://schemas.openxmlformats.org/officeDocument/2006/relationships" xmlns:p="http://schemas.openxmlformats.org/presentationml/2006/main" showMasterSp="0" showMasterPhAnim="0">
   <p:cSld>
     <p:spTree>
@@ -4475,7 +4576,7 @@
 </p:notes>
 </file>
 
-<file path=ppt/notesSlides/notesSlide35.xml><?xml version="1.0" encoding="utf-8"?>
+<file path=ppt/notesSlides/notesSlide36.xml><?xml version="1.0" encoding="utf-8"?>
 <p:notes xmlns:a="http://schemas.openxmlformats.org/drawingml/2006/main" xmlns:r="http://schemas.openxmlformats.org/officeDocument/2006/relationships" xmlns:p="http://schemas.openxmlformats.org/presentationml/2006/main" showMasterSp="0" showMasterPhAnim="0">
   <p:cSld>
     <p:spTree>
@@ -4584,7 +4685,7 @@
 </p:notes>
 </file>
 
-<file path=ppt/notesSlides/notesSlide36.xml><?xml version="1.0" encoding="utf-8"?>
+<file path=ppt/notesSlides/notesSlide37.xml><?xml version="1.0" encoding="utf-8"?>
 <p:notes xmlns:a="http://schemas.openxmlformats.org/drawingml/2006/main" xmlns:r="http://schemas.openxmlformats.org/officeDocument/2006/relationships" xmlns:p="http://schemas.openxmlformats.org/presentationml/2006/main" showMasterSp="0" showMasterPhAnim="0">
   <p:cSld>
     <p:spTree>
@@ -4693,7 +4794,7 @@
 </p:notes>
 </file>
 
-<file path=ppt/notesSlides/notesSlide37.xml><?xml version="1.0" encoding="utf-8"?>
+<file path=ppt/notesSlides/notesSlide38.xml><?xml version="1.0" encoding="utf-8"?>
 <p:notes xmlns:a="http://schemas.openxmlformats.org/drawingml/2006/main" xmlns:r="http://schemas.openxmlformats.org/officeDocument/2006/relationships" xmlns:p="http://schemas.openxmlformats.org/presentationml/2006/main" showMasterSp="0" showMasterPhAnim="0">
   <p:cSld>
     <p:spTree>
@@ -5046,6 +5147,70 @@
 </file>
 
 <file path=ppt/notesSlides/notesSlide6.xml><?xml version="1.0" encoding="utf-8"?>
+<p:notes xmlns:a="http://schemas.openxmlformats.org/drawingml/2006/main" xmlns:r="http://schemas.openxmlformats.org/officeDocument/2006/relationships" xmlns:p="http://schemas.openxmlformats.org/presentationml/2006/main">
+  <p:cSld>
+    <p:spTree>
+      <p:nvGrpSpPr>
+        <p:cNvPr id="1" name=""/>
+        <p:cNvGrpSpPr/>
+        <p:nvPr/>
+      </p:nvGrpSpPr>
+      <p:grpSpPr>
+        <a:xfrm>
+          <a:off x="0" y="0"/>
+          <a:ext cx="0" cy="0"/>
+          <a:chOff x="0" y="0"/>
+          <a:chExt cx="0" cy="0"/>
+        </a:xfrm>
+      </p:grpSpPr>
+      <p:sp>
+        <p:nvSpPr>
+          <p:cNvPr id="2" name="Slide Image Placeholder 1"/>
+          <p:cNvSpPr>
+            <a:spLocks noGrp="1" noRot="1" noChangeAspect="1"/>
+          </p:cNvSpPr>
+          <p:nvPr>
+            <p:ph type="sldImg"/>
+          </p:nvPr>
+        </p:nvSpPr>
+        <p:spPr/>
+      </p:sp>
+      <p:sp>
+        <p:nvSpPr>
+          <p:cNvPr id="3" name="Notes Placeholder 2"/>
+          <p:cNvSpPr>
+            <a:spLocks noGrp="1"/>
+          </p:cNvSpPr>
+          <p:nvPr>
+            <p:ph type="body" idx="1"/>
+          </p:nvPr>
+        </p:nvSpPr>
+        <p:spPr/>
+        <p:txBody>
+          <a:bodyPr/>
+          <a:lstStyle/>
+          <a:p>
+            <a:r>
+              <a:rPr lang="en-US" dirty="0"/>
+              <a:t>Post link to the USAJOBS link in the chat</a:t>
+            </a:r>
+          </a:p>
+        </p:txBody>
+      </p:sp>
+    </p:spTree>
+    <p:extLst>
+      <p:ext uri="{BB962C8B-B14F-4D97-AF65-F5344CB8AC3E}">
+        <p14:creationId xmlns:p14="http://schemas.microsoft.com/office/powerpoint/2010/main" val="4165602660"/>
+      </p:ext>
+    </p:extLst>
+  </p:cSld>
+  <p:clrMapOvr>
+    <a:masterClrMapping/>
+  </p:clrMapOvr>
+</p:notes>
+</file>
+
+<file path=ppt/notesSlides/notesSlide7.xml><?xml version="1.0" encoding="utf-8"?>
 <p:notes xmlns:a="http://schemas.openxmlformats.org/drawingml/2006/main" xmlns:r="http://schemas.openxmlformats.org/officeDocument/2006/relationships" xmlns:p="http://schemas.openxmlformats.org/presentationml/2006/main" showMasterSp="0" showMasterPhAnim="0">
   <p:cSld>
     <p:spTree>
@@ -5164,7 +5329,7 @@
 </p:notes>
 </file>
 
-<file path=ppt/notesSlides/notesSlide7.xml><?xml version="1.0" encoding="utf-8"?>
+<file path=ppt/notesSlides/notesSlide8.xml><?xml version="1.0" encoding="utf-8"?>
 <p:notes xmlns:a="http://schemas.openxmlformats.org/drawingml/2006/main" xmlns:r="http://schemas.openxmlformats.org/officeDocument/2006/relationships" xmlns:p="http://schemas.openxmlformats.org/presentationml/2006/main" showMasterSp="0" showMasterPhAnim="0">
   <p:cSld>
     <p:spTree>
@@ -5285,7 +5450,7 @@
 </p:notes>
 </file>
 
-<file path=ppt/notesSlides/notesSlide8.xml><?xml version="1.0" encoding="utf-8"?>
+<file path=ppt/notesSlides/notesSlide9.xml><?xml version="1.0" encoding="utf-8"?>
 <p:notes xmlns:a="http://schemas.openxmlformats.org/drawingml/2006/main" xmlns:r="http://schemas.openxmlformats.org/officeDocument/2006/relationships" xmlns:p="http://schemas.openxmlformats.org/presentationml/2006/main" showMasterSp="0" showMasterPhAnim="0">
   <p:cSld>
     <p:spTree>
@@ -5427,107 +5592,6 @@
     <p:extLst>
       <p:ext uri="{BB962C8B-B14F-4D97-AF65-F5344CB8AC3E}">
         <p14:creationId xmlns:p14="http://schemas.microsoft.com/office/powerpoint/2010/main" val="570990269"/>
-      </p:ext>
-    </p:extLst>
-  </p:cSld>
-  <p:clrMapOvr>
-    <a:masterClrMapping/>
-  </p:clrMapOvr>
-</p:notes>
-</file>
-
-<file path=ppt/notesSlides/notesSlide9.xml><?xml version="1.0" encoding="utf-8"?>
-<p:notes xmlns:a="http://schemas.openxmlformats.org/drawingml/2006/main" xmlns:r="http://schemas.openxmlformats.org/officeDocument/2006/relationships" xmlns:p="http://schemas.openxmlformats.org/presentationml/2006/main">
-  <p:cSld>
-    <p:spTree>
-      <p:nvGrpSpPr>
-        <p:cNvPr id="1" name=""/>
-        <p:cNvGrpSpPr/>
-        <p:nvPr/>
-      </p:nvGrpSpPr>
-      <p:grpSpPr>
-        <a:xfrm>
-          <a:off x="0" y="0"/>
-          <a:ext cx="0" cy="0"/>
-          <a:chOff x="0" y="0"/>
-          <a:chExt cx="0" cy="0"/>
-        </a:xfrm>
-      </p:grpSpPr>
-      <p:sp>
-        <p:nvSpPr>
-          <p:cNvPr id="2" name="Slide Image Placeholder 1"/>
-          <p:cNvSpPr>
-            <a:spLocks noGrp="1" noRot="1" noChangeAspect="1"/>
-          </p:cNvSpPr>
-          <p:nvPr>
-            <p:ph type="sldImg"/>
-          </p:nvPr>
-        </p:nvSpPr>
-        <p:spPr/>
-      </p:sp>
-      <p:sp>
-        <p:nvSpPr>
-          <p:cNvPr id="3" name="Notes Placeholder 2"/>
-          <p:cNvSpPr>
-            <a:spLocks noGrp="1"/>
-          </p:cNvSpPr>
-          <p:nvPr>
-            <p:ph type="body" idx="1"/>
-          </p:nvPr>
-        </p:nvSpPr>
-        <p:spPr/>
-        <p:txBody>
-          <a:bodyPr/>
-          <a:lstStyle/>
-          <a:p>
-            <a:pPr marL="457200" marR="0" lvl="0" indent="-228600" algn="l" defTabSz="914400" rtl="0" eaLnBrk="1" fontAlgn="auto" latinLnBrk="0" hangingPunct="1">
-              <a:lnSpc>
-                <a:spcPct val="100000"/>
-              </a:lnSpc>
-              <a:spcBef>
-                <a:spcPts val="0"/>
-              </a:spcBef>
-              <a:spcAft>
-                <a:spcPts val="0"/>
-              </a:spcAft>
-              <a:buClr>
-                <a:srgbClr val="000000"/>
-              </a:buClr>
-              <a:buSzPts val="1400"/>
-              <a:buFont typeface="Arial"/>
-              <a:buNone/>
-              <a:tabLst/>
-              <a:defRPr/>
-            </a:pPr>
-            <a:r>
-              <a:rPr lang="en-US" dirty="0"/>
-              <a:t>NOTE: Replace all {VARIABLE} data items on this slide with the details the team has agreed upon. There may be fewer/more competencies, customize this table as needed. </a:t>
-            </a:r>
-          </a:p>
-          <a:p>
-            <a:endParaRPr lang="en-US" dirty="0"/>
-          </a:p>
-          <a:p>
-            <a:r>
-              <a:rPr lang="en-US" dirty="0"/>
-              <a:t>If an applicant does not meet one requirement, there’s no need to continue evaluating for remaining ones</a:t>
-            </a:r>
-          </a:p>
-          <a:p>
-            <a:endParaRPr lang="en-US" dirty="0"/>
-          </a:p>
-          <a:p>
-            <a:r>
-              <a:rPr lang="en-US" dirty="0"/>
-              <a:t>By definition, applicants must meet ALL minimum qualifications to move forward</a:t>
-            </a:r>
-          </a:p>
-        </p:txBody>
-      </p:sp>
-    </p:spTree>
-    <p:extLst>
-      <p:ext uri="{BB962C8B-B14F-4D97-AF65-F5344CB8AC3E}">
-        <p14:creationId xmlns:p14="http://schemas.microsoft.com/office/powerpoint/2010/main" val="2287640234"/>
       </p:ext>
     </p:extLst>
   </p:cSld>
@@ -20882,7 +20946,7 @@
           </p:nvPr>
         </p:nvPicPr>
         <p:blipFill>
-          <a:blip r:embed="rId2"/>
+          <a:blip r:embed="rId3"/>
           <a:stretch>
             <a:fillRect/>
           </a:stretch>
@@ -20917,7 +20981,7 @@
           <a:p>
             <a:r>
               <a:rPr lang="en-US" dirty="0"/>
-              <a:t>What were candidates told?</a:t>
+              <a:t>What was on the job announcement?</a:t>
             </a:r>
           </a:p>
         </p:txBody>
@@ -20954,6 +21018,71 @@
       </p:sp>
       <p:sp>
         <p:nvSpPr>
+          <p:cNvPr id="2" name="TextBox 1">
+            <a:extLst>
+              <a:ext uri="{FF2B5EF4-FFF2-40B4-BE49-F238E27FC236}">
+                <a16:creationId xmlns:a16="http://schemas.microsoft.com/office/drawing/2014/main" id="{9CE95043-B3C2-994A-A4D8-A88EFDB24738}"/>
+              </a:ext>
+            </a:extLst>
+          </p:cNvPr>
+          <p:cNvSpPr txBox="1"/>
+          <p:nvPr/>
+        </p:nvSpPr>
+        <p:spPr>
+          <a:xfrm>
+            <a:off x="1436420" y="8601690"/>
+            <a:ext cx="14467422" cy="1446550"/>
+          </a:xfrm>
+          <a:prstGeom prst="rect">
+            <a:avLst/>
+          </a:prstGeom>
+          <a:noFill/>
+        </p:spPr>
+        <p:txBody>
+          <a:bodyPr wrap="none" rtlCol="0">
+            <a:spAutoFit/>
+          </a:bodyPr>
+          <a:lstStyle/>
+          <a:p>
+            <a:r>
+              <a:rPr lang="en-US" sz="4400" dirty="0">
+                <a:solidFill>
+                  <a:schemeClr val="bg2"/>
+                </a:solidFill>
+                <a:hlinkClick r:id="rId4">
+                  <a:extLst>
+                    <a:ext uri="{A12FA001-AC4F-418D-AE19-62706E023703}">
+                      <ahyp:hlinkClr xmlns:ahyp="http://schemas.microsoft.com/office/drawing/2018/hyperlinkcolor" val="tx"/>
+                    </a:ext>
+                  </a:extLst>
+                </a:hlinkClick>
+              </a:rPr>
+              <a:t>https://www.usajobs.gov/job/65502310</a:t>
+            </a:r>
+            <a:r>
+              <a:rPr lang="en-US" sz="4400" dirty="0">
+                <a:solidFill>
+                  <a:schemeClr val="bg2"/>
+                </a:solidFill>
+              </a:rPr>
+              <a:t> </a:t>
+            </a:r>
+            <a:r>
+              <a:rPr lang="en-US" sz="4400" dirty="0">
+                <a:solidFill>
+                  <a:schemeClr val="tx2"/>
+                </a:solidFill>
+              </a:rPr>
+              <a:t>(also post in chat)</a:t>
+            </a:r>
+          </a:p>
+          <a:p>
+            <a:endParaRPr lang="en-US" sz="4400" dirty="0"/>
+          </a:p>
+        </p:txBody>
+      </p:sp>
+      <p:sp>
+        <p:nvSpPr>
           <p:cNvPr id="7" name="Rectangle 6">
             <a:extLst>
               <a:ext uri="{FF2B5EF4-FFF2-40B4-BE49-F238E27FC236}">
@@ -20966,7 +21095,7 @@
         </p:nvSpPr>
         <p:spPr>
           <a:xfrm>
-            <a:off x="3695700" y="3733800"/>
+            <a:off x="4398284" y="4866640"/>
             <a:ext cx="7772400" cy="4076700"/>
           </a:xfrm>
           <a:prstGeom prst="rect">
@@ -21003,7 +21132,7 @@
                   <a:schemeClr val="tx2"/>
                 </a:solidFill>
               </a:rPr>
-              <a:t>Replace with a screenshot from your job announcement</a:t>
+              <a:t>Replace with a screenshot and link of your job announcement</a:t>
             </a:r>
           </a:p>
         </p:txBody>

--- a/toolkit/resume-review/sme-training-resume-review.pptx
+++ b/toolkit/resume-review/sme-training-resume-review.pptx
@@ -410,7 +410,7 @@
           <a:p>
             <a:fld id="{5F1244B9-655E-9143-8F11-143B7EBD7CDE}" type="datetimeFigureOut">
               <a:rPr lang="en-US" smtClean="0"/>
-              <a:t>7/1/22</a:t>
+              <a:t>7/21/22</a:t>
             </a:fld>
             <a:endParaRPr lang="en-US"/>
           </a:p>
@@ -2690,7 +2690,11 @@
               </a:spcAft>
               <a:buNone/>
             </a:pPr>
-            <a:endParaRPr/>
+            <a:r>
+              <a:rPr lang="en-US" dirty="0"/>
+              <a:t>For #4, “assertive” vs “bossy”</a:t>
+            </a:r>
+            <a:endParaRPr dirty="0"/>
           </a:p>
         </p:txBody>
       </p:sp>
@@ -8179,7 +8183,7 @@
             <a:fld id="{42D41BD8-F932-40AA-8DAC-647898DB09A3}" type="datetime1">
               <a:rPr lang="en-US" smtClean="0"/>
               <a:pPr/>
-              <a:t>7/1/22</a:t>
+              <a:t>7/21/22</a:t>
             </a:fld>
             <a:endParaRPr lang="en-US" dirty="0"/>
           </a:p>
@@ -15331,7 +15335,7 @@
           <a:p>
             <a:r>
               <a:rPr lang="en-US" dirty="0"/>
-              <a:t>When failing a resume, cite the technical reason a proficiency isn’t met and provide enough detail to retrace the decision later.</a:t>
+              <a:t>When failing on a proficiency, name why the proficiency isn’t met and provide enough detail to retrace the decision later.</a:t>
             </a:r>
           </a:p>
           <a:p>
@@ -15343,7 +15347,13 @@
           <a:p>
             <a:r>
               <a:rPr lang="en-US" dirty="0"/>
-              <a:t>If you make an assumption or logical inference as part of your finding, positive or negative, record it.</a:t>
+              <a:t>If you make an logical inference as part of your finding, positive or negative, record it.</a:t>
+            </a:r>
+          </a:p>
+          <a:p>
+            <a:r>
+              <a:rPr lang="en-US" dirty="0"/>
+              <a:t>Sometimes, the reason is that there is no evidence of the competency. There’s no additional detail needed in that case.</a:t>
             </a:r>
           </a:p>
           <a:p>
@@ -16160,7 +16170,7 @@
                 </a:solidFill>
                 <a:latin typeface="+mj-lt"/>
               </a:rPr>
-              <a:t>If you are using a different tool for resume review ”moves forward statements, add instructions here”</a:t>
+              <a:t>If you are using a different tool for resume review ”moves forward” statements, add instructions here</a:t>
             </a:r>
           </a:p>
           <a:p>
@@ -17313,7 +17323,17 @@
             </a:br>
             <a:r>
               <a:rPr lang="en-US" sz="5400" dirty="0"/>
-              <a:t>You will have ten minutes to review each resume and send a decision and justification statement</a:t>
+              <a:t>You will have ten minutes to review each resume and write a decision and justification statement.</a:t>
+            </a:r>
+            <a:br>
+              <a:rPr lang="en-US" sz="5400" dirty="0"/>
+            </a:br>
+            <a:br>
+              <a:rPr lang="en-US" sz="5400" dirty="0"/>
+            </a:br>
+            <a:r>
+              <a:rPr lang="en-US" sz="5400" dirty="0"/>
+              <a:t>Share your work with the facilitator by ____</a:t>
             </a:r>
             <a:br>
               <a:rPr lang="en-US" sz="5400" dirty="0"/>
@@ -17322,6 +17342,67 @@
               <a:rPr lang="en-US" sz="5400" dirty="0"/>
             </a:br>
             <a:endParaRPr lang="en-US" sz="9602" dirty="0"/>
+          </a:p>
+        </p:txBody>
+      </p:sp>
+      <p:sp>
+        <p:nvSpPr>
+          <p:cNvPr id="3" name="Rectangle 2">
+            <a:extLst>
+              <a:ext uri="{FF2B5EF4-FFF2-40B4-BE49-F238E27FC236}">
+                <a16:creationId xmlns:a16="http://schemas.microsoft.com/office/drawing/2014/main" id="{106CCA20-C821-2B4B-AEA4-69325F28D42F}"/>
+              </a:ext>
+            </a:extLst>
+          </p:cNvPr>
+          <p:cNvSpPr/>
+          <p:nvPr/>
+        </p:nvSpPr>
+        <p:spPr>
+          <a:xfrm>
+            <a:off x="1734112" y="3746809"/>
+            <a:ext cx="13872117" cy="2141034"/>
+          </a:xfrm>
+          <a:prstGeom prst="rect">
+            <a:avLst/>
+          </a:prstGeom>
+          <a:solidFill>
+            <a:srgbClr val="FFFF00"/>
+          </a:solidFill>
+        </p:spPr>
+        <p:style>
+          <a:lnRef idx="2">
+            <a:schemeClr val="accent1">
+              <a:shade val="50000"/>
+            </a:schemeClr>
+          </a:lnRef>
+          <a:fillRef idx="1">
+            <a:schemeClr val="accent1"/>
+          </a:fillRef>
+          <a:effectRef idx="0">
+            <a:schemeClr val="accent1"/>
+          </a:effectRef>
+          <a:fontRef idx="minor">
+            <a:schemeClr val="lt1"/>
+          </a:fontRef>
+        </p:style>
+        <p:txBody>
+          <a:bodyPr rtlCol="0" anchor="ctr"/>
+          <a:lstStyle/>
+          <a:p>
+            <a:pPr algn="ctr"/>
+            <a:r>
+              <a:rPr lang="en-US" sz="3600" b="1" dirty="0">
+                <a:solidFill>
+                  <a:schemeClr val="tx2"/>
+                </a:solidFill>
+                <a:latin typeface="+mj-lt"/>
+              </a:rPr>
+              <a:t>Determine how you want to practice: should SMEs review many resumes before </a:t>
+            </a:r>
+          </a:p>
+          <a:p>
+            <a:pPr algn="ctr"/>
+            <a:endParaRPr lang="en-US" dirty="0"/>
           </a:p>
         </p:txBody>
       </p:sp>
@@ -20246,7 +20327,7 @@
             <a:pPr lvl="1"/>
             <a:r>
               <a:rPr lang="en-US" dirty="0"/>
-              <a:t>Reminder: Turn in filled out SME Background Info Sheet and SME Confidentiality Agreement if you have not done so</a:t>
+              <a:t>Reminder: Turn in filled out SME paperwork (e.g. info forms, confidentiality agreements) to _____ if you have not done so</a:t>
             </a:r>
           </a:p>
         </p:txBody>
@@ -20363,7 +20444,7 @@
         </p:nvSpPr>
         <p:spPr>
           <a:xfrm>
-            <a:off x="4382253" y="1419911"/>
+            <a:off x="4382253" y="3834194"/>
             <a:ext cx="8575835" cy="3145661"/>
           </a:xfrm>
           <a:prstGeom prst="rect">
